--- a/Angular2.pptx
+++ b/Angular2.pptx
@@ -1,6 +1,6 @@
 
 <file path=ppt/presentation.xml><?xml version="1.0" encoding="utf-8"?>
-<p:presentation xmlns:a="http://schemas.openxmlformats.org/drawingml/2006/main" xmlns:r="http://schemas.openxmlformats.org/officeDocument/2006/relationships" xmlns:p="http://schemas.openxmlformats.org/presentationml/2006/main" strictFirstAndLastChars="0" embedTrueTypeFonts="1" saveSubsetFonts="1" autoCompressPictures="0">
+<p:presentation xmlns:a="http://schemas.openxmlformats.org/drawingml/2006/main" xmlns:r="http://schemas.openxmlformats.org/officeDocument/2006/relationships" xmlns:p="http://schemas.openxmlformats.org/presentationml/2006/main" strictFirstAndLastChars="0" saveSubsetFonts="1" autoCompressPictures="0">
   <p:sldMasterIdLst>
     <p:sldMasterId id="2147483666" r:id="rId1"/>
   </p:sldMasterIdLst>
@@ -50,29 +50,6 @@
   </p:sldIdLst>
   <p:sldSz cx="20104100" cy="11303000"/>
   <p:notesSz cx="6858000" cy="9144000"/>
-  <p:embeddedFontLst>
-    <p:embeddedFont>
-      <p:font typeface="Helvetica Neue" panose="020B0604020202020204" charset="0"/>
-      <p:regular r:id="rId42"/>
-      <p:bold r:id="rId43"/>
-      <p:italic r:id="rId44"/>
-      <p:boldItalic r:id="rId45"/>
-    </p:embeddedFont>
-    <p:embeddedFont>
-      <p:font typeface="Roboto" panose="020B0604020202020204" charset="0"/>
-      <p:regular r:id="rId46"/>
-      <p:bold r:id="rId47"/>
-      <p:italic r:id="rId48"/>
-      <p:boldItalic r:id="rId49"/>
-    </p:embeddedFont>
-    <p:embeddedFont>
-      <p:font typeface="Calibri" panose="020F0502020204030204" pitchFamily="34" charset="0"/>
-      <p:regular r:id="rId50"/>
-      <p:bold r:id="rId51"/>
-      <p:italic r:id="rId52"/>
-      <p:boldItalic r:id="rId53"/>
-    </p:embeddedFont>
-  </p:embeddedFontLst>
   <p:defaultTextStyle>
     <a:defPPr marR="0" lvl="0" algn="l" rtl="0">
       <a:lnSpc>
@@ -275,6 +252,11 @@
       </a:defRPr>
     </a:lvl9pPr>
   </p:defaultTextStyle>
+  <p:extLst>
+    <p:ext uri="{EFAFB233-063F-42B5-8137-9DF3F51BA10A}">
+      <p15:sldGuideLst xmlns:p15="http://schemas.microsoft.com/office/powerpoint/2012/main"/>
+    </p:ext>
+  </p:extLst>
 </p:presentation>
 </file>
 
@@ -486,6 +468,11 @@
         </p:txBody>
       </p:sp>
     </p:spTree>
+    <p:extLst>
+      <p:ext uri="{BB962C8B-B14F-4D97-AF65-F5344CB8AC3E}">
+        <p14:creationId xmlns:p14="http://schemas.microsoft.com/office/powerpoint/2010/main" val="1551744724"/>
+      </p:ext>
+    </p:extLst>
   </p:cSld>
   <p:clrMap bg1="lt1" tx1="dk1" bg2="dk2" tx2="lt2" accent1="accent1" accent2="accent2" accent3="accent3" accent4="accent4" accent5="accent5" accent6="accent6" hlink="hlink" folHlink="folHlink"/>
   <p:notesStyle>
@@ -677,6 +664,11 @@
         </p:spPr>
       </p:sp>
     </p:spTree>
+    <p:extLst>
+      <p:ext uri="{BB962C8B-B14F-4D97-AF65-F5344CB8AC3E}">
+        <p14:creationId xmlns:p14="http://schemas.microsoft.com/office/powerpoint/2010/main" val="1132167100"/>
+      </p:ext>
+    </p:extLst>
   </p:cSld>
   <p:clrMapOvr>
     <a:masterClrMapping/>
@@ -778,6 +770,11 @@
         </p:txBody>
       </p:sp>
     </p:spTree>
+    <p:extLst>
+      <p:ext uri="{BB962C8B-B14F-4D97-AF65-F5344CB8AC3E}">
+        <p14:creationId xmlns:p14="http://schemas.microsoft.com/office/powerpoint/2010/main" val="1796284773"/>
+      </p:ext>
+    </p:extLst>
   </p:cSld>
   <p:clrMapOvr>
     <a:masterClrMapping/>
@@ -879,6 +876,11 @@
         </p:txBody>
       </p:sp>
     </p:spTree>
+    <p:extLst>
+      <p:ext uri="{BB962C8B-B14F-4D97-AF65-F5344CB8AC3E}">
+        <p14:creationId xmlns:p14="http://schemas.microsoft.com/office/powerpoint/2010/main" val="833070285"/>
+      </p:ext>
+    </p:extLst>
   </p:cSld>
   <p:clrMapOvr>
     <a:masterClrMapping/>
@@ -980,6 +982,11 @@
         </p:txBody>
       </p:sp>
     </p:spTree>
+    <p:extLst>
+      <p:ext uri="{BB962C8B-B14F-4D97-AF65-F5344CB8AC3E}">
+        <p14:creationId xmlns:p14="http://schemas.microsoft.com/office/powerpoint/2010/main" val="1966385202"/>
+      </p:ext>
+    </p:extLst>
   </p:cSld>
   <p:clrMapOvr>
     <a:masterClrMapping/>
@@ -1081,6 +1088,11 @@
         </p:spPr>
       </p:sp>
     </p:spTree>
+    <p:extLst>
+      <p:ext uri="{BB962C8B-B14F-4D97-AF65-F5344CB8AC3E}">
+        <p14:creationId xmlns:p14="http://schemas.microsoft.com/office/powerpoint/2010/main" val="1410246331"/>
+      </p:ext>
+    </p:extLst>
   </p:cSld>
   <p:clrMapOvr>
     <a:masterClrMapping/>
@@ -1182,6 +1194,11 @@
         </p:spPr>
       </p:sp>
     </p:spTree>
+    <p:extLst>
+      <p:ext uri="{BB962C8B-B14F-4D97-AF65-F5344CB8AC3E}">
+        <p14:creationId xmlns:p14="http://schemas.microsoft.com/office/powerpoint/2010/main" val="233073178"/>
+      </p:ext>
+    </p:extLst>
   </p:cSld>
   <p:clrMapOvr>
     <a:masterClrMapping/>
@@ -1283,6 +1300,11 @@
         </p:spPr>
       </p:sp>
     </p:spTree>
+    <p:extLst>
+      <p:ext uri="{BB962C8B-B14F-4D97-AF65-F5344CB8AC3E}">
+        <p14:creationId xmlns:p14="http://schemas.microsoft.com/office/powerpoint/2010/main" val="250730518"/>
+      </p:ext>
+    </p:extLst>
   </p:cSld>
   <p:clrMapOvr>
     <a:masterClrMapping/>
@@ -1384,6 +1406,11 @@
         </p:spPr>
       </p:sp>
     </p:spTree>
+    <p:extLst>
+      <p:ext uri="{BB962C8B-B14F-4D97-AF65-F5344CB8AC3E}">
+        <p14:creationId xmlns:p14="http://schemas.microsoft.com/office/powerpoint/2010/main" val="664900612"/>
+      </p:ext>
+    </p:extLst>
   </p:cSld>
   <p:clrMapOvr>
     <a:masterClrMapping/>
@@ -1485,6 +1512,11 @@
         </p:spPr>
       </p:sp>
     </p:spTree>
+    <p:extLst>
+      <p:ext uri="{BB962C8B-B14F-4D97-AF65-F5344CB8AC3E}">
+        <p14:creationId xmlns:p14="http://schemas.microsoft.com/office/powerpoint/2010/main" val="388487655"/>
+      </p:ext>
+    </p:extLst>
   </p:cSld>
   <p:clrMapOvr>
     <a:masterClrMapping/>
@@ -1586,6 +1618,11 @@
         </p:spPr>
       </p:sp>
     </p:spTree>
+    <p:extLst>
+      <p:ext uri="{BB962C8B-B14F-4D97-AF65-F5344CB8AC3E}">
+        <p14:creationId xmlns:p14="http://schemas.microsoft.com/office/powerpoint/2010/main" val="961730705"/>
+      </p:ext>
+    </p:extLst>
   </p:cSld>
   <p:clrMapOvr>
     <a:masterClrMapping/>
@@ -1687,6 +1724,11 @@
         </p:spPr>
       </p:sp>
     </p:spTree>
+    <p:extLst>
+      <p:ext uri="{BB962C8B-B14F-4D97-AF65-F5344CB8AC3E}">
+        <p14:creationId xmlns:p14="http://schemas.microsoft.com/office/powerpoint/2010/main" val="1846031613"/>
+      </p:ext>
+    </p:extLst>
   </p:cSld>
   <p:clrMapOvr>
     <a:masterClrMapping/>
@@ -1788,6 +1830,11 @@
         </p:spPr>
       </p:sp>
     </p:spTree>
+    <p:extLst>
+      <p:ext uri="{BB962C8B-B14F-4D97-AF65-F5344CB8AC3E}">
+        <p14:creationId xmlns:p14="http://schemas.microsoft.com/office/powerpoint/2010/main" val="1627337280"/>
+      </p:ext>
+    </p:extLst>
   </p:cSld>
   <p:clrMapOvr>
     <a:masterClrMapping/>
@@ -1889,6 +1936,11 @@
         </p:spPr>
       </p:sp>
     </p:spTree>
+    <p:extLst>
+      <p:ext uri="{BB962C8B-B14F-4D97-AF65-F5344CB8AC3E}">
+        <p14:creationId xmlns:p14="http://schemas.microsoft.com/office/powerpoint/2010/main" val="1557071482"/>
+      </p:ext>
+    </p:extLst>
   </p:cSld>
   <p:clrMapOvr>
     <a:masterClrMapping/>
@@ -1990,6 +2042,11 @@
         </p:spPr>
       </p:sp>
     </p:spTree>
+    <p:extLst>
+      <p:ext uri="{BB962C8B-B14F-4D97-AF65-F5344CB8AC3E}">
+        <p14:creationId xmlns:p14="http://schemas.microsoft.com/office/powerpoint/2010/main" val="464675632"/>
+      </p:ext>
+    </p:extLst>
   </p:cSld>
   <p:clrMapOvr>
     <a:masterClrMapping/>
@@ -2091,6 +2148,11 @@
         </p:spPr>
       </p:sp>
     </p:spTree>
+    <p:extLst>
+      <p:ext uri="{BB962C8B-B14F-4D97-AF65-F5344CB8AC3E}">
+        <p14:creationId xmlns:p14="http://schemas.microsoft.com/office/powerpoint/2010/main" val="1552806532"/>
+      </p:ext>
+    </p:extLst>
   </p:cSld>
   <p:clrMapOvr>
     <a:masterClrMapping/>
@@ -2192,6 +2254,11 @@
         </p:spPr>
       </p:sp>
     </p:spTree>
+    <p:extLst>
+      <p:ext uri="{BB962C8B-B14F-4D97-AF65-F5344CB8AC3E}">
+        <p14:creationId xmlns:p14="http://schemas.microsoft.com/office/powerpoint/2010/main" val="1798104980"/>
+      </p:ext>
+    </p:extLst>
   </p:cSld>
   <p:clrMapOvr>
     <a:masterClrMapping/>
@@ -2293,6 +2360,11 @@
         </p:spPr>
       </p:sp>
     </p:spTree>
+    <p:extLst>
+      <p:ext uri="{BB962C8B-B14F-4D97-AF65-F5344CB8AC3E}">
+        <p14:creationId xmlns:p14="http://schemas.microsoft.com/office/powerpoint/2010/main" val="1360518276"/>
+      </p:ext>
+    </p:extLst>
   </p:cSld>
   <p:clrMapOvr>
     <a:masterClrMapping/>
@@ -2394,6 +2466,11 @@
         </p:spPr>
       </p:sp>
     </p:spTree>
+    <p:extLst>
+      <p:ext uri="{BB962C8B-B14F-4D97-AF65-F5344CB8AC3E}">
+        <p14:creationId xmlns:p14="http://schemas.microsoft.com/office/powerpoint/2010/main" val="1972275123"/>
+      </p:ext>
+    </p:extLst>
   </p:cSld>
   <p:clrMapOvr>
     <a:masterClrMapping/>
@@ -2495,6 +2572,11 @@
         </p:txBody>
       </p:sp>
     </p:spTree>
+    <p:extLst>
+      <p:ext uri="{BB962C8B-B14F-4D97-AF65-F5344CB8AC3E}">
+        <p14:creationId xmlns:p14="http://schemas.microsoft.com/office/powerpoint/2010/main" val="1617900816"/>
+      </p:ext>
+    </p:extLst>
   </p:cSld>
   <p:clrMapOvr>
     <a:masterClrMapping/>
@@ -2596,6 +2678,11 @@
         </p:txBody>
       </p:sp>
     </p:spTree>
+    <p:extLst>
+      <p:ext uri="{BB962C8B-B14F-4D97-AF65-F5344CB8AC3E}">
+        <p14:creationId xmlns:p14="http://schemas.microsoft.com/office/powerpoint/2010/main" val="621076198"/>
+      </p:ext>
+    </p:extLst>
   </p:cSld>
   <p:clrMapOvr>
     <a:masterClrMapping/>
@@ -2697,6 +2784,11 @@
         </p:txBody>
       </p:sp>
     </p:spTree>
+    <p:extLst>
+      <p:ext uri="{BB962C8B-B14F-4D97-AF65-F5344CB8AC3E}">
+        <p14:creationId xmlns:p14="http://schemas.microsoft.com/office/powerpoint/2010/main" val="1657135366"/>
+      </p:ext>
+    </p:extLst>
   </p:cSld>
   <p:clrMapOvr>
     <a:masterClrMapping/>
@@ -2798,6 +2890,11 @@
         </p:txBody>
       </p:sp>
     </p:spTree>
+    <p:extLst>
+      <p:ext uri="{BB962C8B-B14F-4D97-AF65-F5344CB8AC3E}">
+        <p14:creationId xmlns:p14="http://schemas.microsoft.com/office/powerpoint/2010/main" val="805010435"/>
+      </p:ext>
+    </p:extLst>
   </p:cSld>
   <p:clrMapOvr>
     <a:masterClrMapping/>
@@ -2899,6 +2996,11 @@
         </p:spPr>
       </p:sp>
     </p:spTree>
+    <p:extLst>
+      <p:ext uri="{BB962C8B-B14F-4D97-AF65-F5344CB8AC3E}">
+        <p14:creationId xmlns:p14="http://schemas.microsoft.com/office/powerpoint/2010/main" val="305936768"/>
+      </p:ext>
+    </p:extLst>
   </p:cSld>
   <p:clrMapOvr>
     <a:masterClrMapping/>
@@ -3000,6 +3102,11 @@
         </p:txBody>
       </p:sp>
     </p:spTree>
+    <p:extLst>
+      <p:ext uri="{BB962C8B-B14F-4D97-AF65-F5344CB8AC3E}">
+        <p14:creationId xmlns:p14="http://schemas.microsoft.com/office/powerpoint/2010/main" val="663404945"/>
+      </p:ext>
+    </p:extLst>
   </p:cSld>
   <p:clrMapOvr>
     <a:masterClrMapping/>
@@ -3101,6 +3208,11 @@
         </p:spPr>
       </p:sp>
     </p:spTree>
+    <p:extLst>
+      <p:ext uri="{BB962C8B-B14F-4D97-AF65-F5344CB8AC3E}">
+        <p14:creationId xmlns:p14="http://schemas.microsoft.com/office/powerpoint/2010/main" val="111815391"/>
+      </p:ext>
+    </p:extLst>
   </p:cSld>
   <p:clrMapOvr>
     <a:masterClrMapping/>
@@ -3202,6 +3314,11 @@
         </p:txBody>
       </p:sp>
     </p:spTree>
+    <p:extLst>
+      <p:ext uri="{BB962C8B-B14F-4D97-AF65-F5344CB8AC3E}">
+        <p14:creationId xmlns:p14="http://schemas.microsoft.com/office/powerpoint/2010/main" val="233085412"/>
+      </p:ext>
+    </p:extLst>
   </p:cSld>
   <p:clrMapOvr>
     <a:masterClrMapping/>
@@ -3303,6 +3420,11 @@
         </p:spPr>
       </p:sp>
     </p:spTree>
+    <p:extLst>
+      <p:ext uri="{BB962C8B-B14F-4D97-AF65-F5344CB8AC3E}">
+        <p14:creationId xmlns:p14="http://schemas.microsoft.com/office/powerpoint/2010/main" val="456347356"/>
+      </p:ext>
+    </p:extLst>
   </p:cSld>
   <p:clrMapOvr>
     <a:masterClrMapping/>
@@ -3404,6 +3526,11 @@
         </p:spPr>
       </p:sp>
     </p:spTree>
+    <p:extLst>
+      <p:ext uri="{BB962C8B-B14F-4D97-AF65-F5344CB8AC3E}">
+        <p14:creationId xmlns:p14="http://schemas.microsoft.com/office/powerpoint/2010/main" val="1165908855"/>
+      </p:ext>
+    </p:extLst>
   </p:cSld>
   <p:clrMapOvr>
     <a:masterClrMapping/>
@@ -3505,6 +3632,11 @@
         </p:spPr>
       </p:sp>
     </p:spTree>
+    <p:extLst>
+      <p:ext uri="{BB962C8B-B14F-4D97-AF65-F5344CB8AC3E}">
+        <p14:creationId xmlns:p14="http://schemas.microsoft.com/office/powerpoint/2010/main" val="1789330757"/>
+      </p:ext>
+    </p:extLst>
   </p:cSld>
   <p:clrMapOvr>
     <a:masterClrMapping/>
@@ -3606,6 +3738,11 @@
         </p:txBody>
       </p:sp>
     </p:spTree>
+    <p:extLst>
+      <p:ext uri="{BB962C8B-B14F-4D97-AF65-F5344CB8AC3E}">
+        <p14:creationId xmlns:p14="http://schemas.microsoft.com/office/powerpoint/2010/main" val="2068523958"/>
+      </p:ext>
+    </p:extLst>
   </p:cSld>
   <p:clrMapOvr>
     <a:masterClrMapping/>
@@ -3813,6 +3950,11 @@
         </p:txBody>
       </p:sp>
     </p:spTree>
+    <p:extLst>
+      <p:ext uri="{BB962C8B-B14F-4D97-AF65-F5344CB8AC3E}">
+        <p14:creationId xmlns:p14="http://schemas.microsoft.com/office/powerpoint/2010/main" val="336011840"/>
+      </p:ext>
+    </p:extLst>
   </p:cSld>
   <p:clrMapOvr>
     <a:masterClrMapping/>
@@ -3914,6 +4056,11 @@
         </p:txBody>
       </p:sp>
     </p:spTree>
+    <p:extLst>
+      <p:ext uri="{BB962C8B-B14F-4D97-AF65-F5344CB8AC3E}">
+        <p14:creationId xmlns:p14="http://schemas.microsoft.com/office/powerpoint/2010/main" val="1616486917"/>
+      </p:ext>
+    </p:extLst>
   </p:cSld>
   <p:clrMapOvr>
     <a:masterClrMapping/>
@@ -4015,6 +4162,11 @@
         </p:spPr>
       </p:sp>
     </p:spTree>
+    <p:extLst>
+      <p:ext uri="{BB962C8B-B14F-4D97-AF65-F5344CB8AC3E}">
+        <p14:creationId xmlns:p14="http://schemas.microsoft.com/office/powerpoint/2010/main" val="803408858"/>
+      </p:ext>
+    </p:extLst>
   </p:cSld>
   <p:clrMapOvr>
     <a:masterClrMapping/>
@@ -4116,6 +4268,11 @@
         </p:spPr>
       </p:sp>
     </p:spTree>
+    <p:extLst>
+      <p:ext uri="{BB962C8B-B14F-4D97-AF65-F5344CB8AC3E}">
+        <p14:creationId xmlns:p14="http://schemas.microsoft.com/office/powerpoint/2010/main" val="1662987717"/>
+      </p:ext>
+    </p:extLst>
   </p:cSld>
   <p:clrMapOvr>
     <a:masterClrMapping/>
@@ -4217,6 +4374,11 @@
         </p:spPr>
       </p:sp>
     </p:spTree>
+    <p:extLst>
+      <p:ext uri="{BB962C8B-B14F-4D97-AF65-F5344CB8AC3E}">
+        <p14:creationId xmlns:p14="http://schemas.microsoft.com/office/powerpoint/2010/main" val="334893914"/>
+      </p:ext>
+    </p:extLst>
   </p:cSld>
   <p:clrMapOvr>
     <a:masterClrMapping/>
@@ -4318,6 +4480,11 @@
         </p:txBody>
       </p:sp>
     </p:spTree>
+    <p:extLst>
+      <p:ext uri="{BB962C8B-B14F-4D97-AF65-F5344CB8AC3E}">
+        <p14:creationId xmlns:p14="http://schemas.microsoft.com/office/powerpoint/2010/main" val="7373811"/>
+      </p:ext>
+    </p:extLst>
   </p:cSld>
   <p:clrMapOvr>
     <a:masterClrMapping/>
@@ -4419,6 +4586,11 @@
         </p:txBody>
       </p:sp>
     </p:spTree>
+    <p:extLst>
+      <p:ext uri="{BB962C8B-B14F-4D97-AF65-F5344CB8AC3E}">
+        <p14:creationId xmlns:p14="http://schemas.microsoft.com/office/powerpoint/2010/main" val="1525073598"/>
+      </p:ext>
+    </p:extLst>
   </p:cSld>
   <p:clrMapOvr>
     <a:masterClrMapping/>
@@ -4520,6 +4692,11 @@
         </p:txBody>
       </p:sp>
     </p:spTree>
+    <p:extLst>
+      <p:ext uri="{BB962C8B-B14F-4D97-AF65-F5344CB8AC3E}">
+        <p14:creationId xmlns:p14="http://schemas.microsoft.com/office/powerpoint/2010/main" val="1694634641"/>
+      </p:ext>
+    </p:extLst>
   </p:cSld>
   <p:clrMapOvr>
     <a:masterClrMapping/>
@@ -17386,7 +17563,7 @@
               <a:buNone/>
             </a:pPr>
             <a:r>
-              <a:rPr lang="en-US" sz="7900" b="0" i="0" u="none" strike="noStrike" cap="none">
+              <a:rPr lang="en-US" sz="7900" b="0" i="0" u="none" strike="noStrike" cap="none" smtClean="0">
                 <a:solidFill>
                   <a:srgbClr val="FFFFFF"/>
                 </a:solidFill>
@@ -17395,7 +17572,19 @@
                 <a:cs typeface="Arial"/>
                 <a:sym typeface="Arial"/>
               </a:rPr>
-              <a:t>Cross Platform</a:t>
+              <a:t>3. Cross </a:t>
+            </a:r>
+            <a:r>
+              <a:rPr lang="en-US" sz="7900" b="0" i="0" u="none" strike="noStrike" cap="none">
+                <a:solidFill>
+                  <a:srgbClr val="FFFFFF"/>
+                </a:solidFill>
+                <a:latin typeface="Arial"/>
+                <a:ea typeface="Arial"/>
+                <a:cs typeface="Arial"/>
+                <a:sym typeface="Arial"/>
+              </a:rPr>
+              <a:t>Platform</a:t>
             </a:r>
           </a:p>
         </p:txBody>
